--- a/Presentations/ML-Final-Praesentation_Soma_Molnar.pptx
+++ b/Presentations/ML-Final-Praesentation_Soma_Molnar.pptx
@@ -6,9 +6,11 @@
   </p:sldMasterIdLst>
   <p:sldIdLst>
     <p:sldId id="256" r:id="rId2"/>
-    <p:sldId id="259" r:id="rId3"/>
-    <p:sldId id="260" r:id="rId4"/>
-    <p:sldId id="257" r:id="rId5"/>
+    <p:sldId id="261" r:id="rId3"/>
+    <p:sldId id="259" r:id="rId4"/>
+    <p:sldId id="260" r:id="rId5"/>
+    <p:sldId id="257" r:id="rId6"/>
+    <p:sldId id="262" r:id="rId7"/>
   </p:sldIdLst>
   <p:sldSz cx="12192000" cy="6858000"/>
   <p:notesSz cx="6858000" cy="9144000"/>
@@ -1039,7 +1041,7 @@
           <a:p>
             <a:fld id="{02AC24A9-CCB6-4F8D-B8DB-C2F3692CFA5A}" type="datetimeFigureOut">
               <a:rPr lang="en-US" smtClean="0"/>
-              <a:t>11/7/2023</a:t>
+              <a:t>11/8/2023</a:t>
             </a:fld>
             <a:endParaRPr lang="en-US" dirty="0"/>
           </a:p>
@@ -1409,7 +1411,7 @@
           <a:p>
             <a:fld id="{02AC24A9-CCB6-4F8D-B8DB-C2F3692CFA5A}" type="datetimeFigureOut">
               <a:rPr lang="en-US" smtClean="0"/>
-              <a:t>11/7/2023</a:t>
+              <a:t>11/8/2023</a:t>
             </a:fld>
             <a:endParaRPr lang="en-US"/>
           </a:p>
@@ -1618,7 +1620,7 @@
           <a:p>
             <a:fld id="{02AC24A9-CCB6-4F8D-B8DB-C2F3692CFA5A}" type="datetimeFigureOut">
               <a:rPr lang="en-US" smtClean="0"/>
-              <a:t>11/7/2023</a:t>
+              <a:t>11/8/2023</a:t>
             </a:fld>
             <a:endParaRPr lang="en-US"/>
           </a:p>
@@ -2088,7 +2090,7 @@
           <a:p>
             <a:fld id="{02AC24A9-CCB6-4F8D-B8DB-C2F3692CFA5A}" type="datetimeFigureOut">
               <a:rPr lang="en-US" smtClean="0"/>
-              <a:t>11/7/2023</a:t>
+              <a:t>11/8/2023</a:t>
             </a:fld>
             <a:endParaRPr lang="en-US"/>
           </a:p>
@@ -2542,7 +2544,7 @@
           <a:p>
             <a:fld id="{02AC24A9-CCB6-4F8D-B8DB-C2F3692CFA5A}" type="datetimeFigureOut">
               <a:rPr lang="en-US" smtClean="0"/>
-              <a:t>11/7/2023</a:t>
+              <a:t>11/8/2023</a:t>
             </a:fld>
             <a:endParaRPr lang="en-US"/>
           </a:p>
@@ -3074,7 +3076,7 @@
           <a:p>
             <a:fld id="{02AC24A9-CCB6-4F8D-B8DB-C2F3692CFA5A}" type="datetimeFigureOut">
               <a:rPr lang="en-US" smtClean="0"/>
-              <a:t>11/7/2023</a:t>
+              <a:t>11/8/2023</a:t>
             </a:fld>
             <a:endParaRPr lang="en-US"/>
           </a:p>
@@ -3773,7 +3775,7 @@
           <a:p>
             <a:fld id="{02AC24A9-CCB6-4F8D-B8DB-C2F3692CFA5A}" type="datetimeFigureOut">
               <a:rPr lang="en-US" smtClean="0"/>
-              <a:t>11/7/2023</a:t>
+              <a:t>11/8/2023</a:t>
             </a:fld>
             <a:endParaRPr lang="en-US"/>
           </a:p>
@@ -4102,7 +4104,7 @@
           <a:p>
             <a:fld id="{02AC24A9-CCB6-4F8D-B8DB-C2F3692CFA5A}" type="datetimeFigureOut">
               <a:rPr lang="en-US" smtClean="0"/>
-              <a:t>11/7/2023</a:t>
+              <a:t>11/8/2023</a:t>
             </a:fld>
             <a:endParaRPr lang="en-US"/>
           </a:p>
@@ -4215,7 +4217,7 @@
           <a:p>
             <a:fld id="{02AC24A9-CCB6-4F8D-B8DB-C2F3692CFA5A}" type="datetimeFigureOut">
               <a:rPr lang="en-US" smtClean="0"/>
-              <a:t>11/7/2023</a:t>
+              <a:t>11/8/2023</a:t>
             </a:fld>
             <a:endParaRPr lang="en-US"/>
           </a:p>
@@ -4710,7 +4712,7 @@
           <a:p>
             <a:fld id="{02AC24A9-CCB6-4F8D-B8DB-C2F3692CFA5A}" type="datetimeFigureOut">
               <a:rPr lang="en-US" smtClean="0"/>
-              <a:t>11/7/2023</a:t>
+              <a:t>11/8/2023</a:t>
             </a:fld>
             <a:endParaRPr lang="en-US" dirty="0"/>
           </a:p>
@@ -5187,7 +5189,7 @@
           <a:p>
             <a:fld id="{02AC24A9-CCB6-4F8D-B8DB-C2F3692CFA5A}" type="datetimeFigureOut">
               <a:rPr lang="en-US" smtClean="0"/>
-              <a:t>11/7/2023</a:t>
+              <a:t>11/8/2023</a:t>
             </a:fld>
             <a:endParaRPr lang="en-US"/>
           </a:p>
@@ -5430,7 +5432,7 @@
           <a:p>
             <a:fld id="{02AC24A9-CCB6-4F8D-B8DB-C2F3692CFA5A}" type="datetimeFigureOut">
               <a:rPr lang="en-US" smtClean="0"/>
-              <a:t>11/7/2023</a:t>
+              <a:t>11/8/2023</a:t>
             </a:fld>
             <a:endParaRPr lang="en-US"/>
           </a:p>
@@ -6235,6 +6237,296 @@
       </p:grpSpPr>
       <p:sp>
         <p:nvSpPr>
+          <p:cNvPr id="2" name="Title 1">
+            <a:extLst>
+              <a:ext uri="{FF2B5EF4-FFF2-40B4-BE49-F238E27FC236}">
+                <a16:creationId xmlns:a16="http://schemas.microsoft.com/office/drawing/2014/main" id="{7EF71A18-5C31-155D-F987-EC9404541512}"/>
+              </a:ext>
+            </a:extLst>
+          </p:cNvPr>
+          <p:cNvSpPr>
+            <a:spLocks noGrp="1"/>
+          </p:cNvSpPr>
+          <p:nvPr>
+            <p:ph type="title"/>
+          </p:nvPr>
+        </p:nvSpPr>
+        <p:spPr/>
+        <p:txBody>
+          <a:bodyPr/>
+          <a:lstStyle/>
+          <a:p>
+            <a:r>
+              <a:rPr lang="de-AT" dirty="0"/>
+              <a:t>Dataset, Training </a:t>
+            </a:r>
+          </a:p>
+        </p:txBody>
+      </p:sp>
+      <p:sp>
+        <p:nvSpPr>
+          <p:cNvPr id="3" name="Content Placeholder 2">
+            <a:extLst>
+              <a:ext uri="{FF2B5EF4-FFF2-40B4-BE49-F238E27FC236}">
+                <a16:creationId xmlns:a16="http://schemas.microsoft.com/office/drawing/2014/main" id="{5C9F49D6-3E8A-723C-D76E-8CAF66DEADE7}"/>
+              </a:ext>
+            </a:extLst>
+          </p:cNvPr>
+          <p:cNvSpPr>
+            <a:spLocks noGrp="1"/>
+          </p:cNvSpPr>
+          <p:nvPr>
+            <p:ph sz="half" idx="1"/>
+          </p:nvPr>
+        </p:nvSpPr>
+        <p:spPr/>
+        <p:txBody>
+          <a:bodyPr/>
+          <a:lstStyle/>
+          <a:p>
+            <a:r>
+              <a:rPr lang="de-AT" dirty="0"/>
+              <a:t>Dataset, </a:t>
+            </a:r>
+            <a:r>
+              <a:rPr lang="de-AT" dirty="0" err="1"/>
+              <a:t>training</a:t>
+            </a:r>
+            <a:r>
+              <a:rPr lang="de-AT" dirty="0"/>
+              <a:t> </a:t>
+            </a:r>
+            <a:r>
+              <a:rPr lang="de-AT" dirty="0" err="1"/>
+              <a:t>script</a:t>
+            </a:r>
+            <a:r>
+              <a:rPr lang="de-AT" dirty="0"/>
+              <a:t> </a:t>
+            </a:r>
+            <a:r>
+              <a:rPr lang="de-AT" dirty="0" err="1"/>
+              <a:t>from</a:t>
+            </a:r>
+            <a:r>
+              <a:rPr lang="de-AT" dirty="0"/>
+              <a:t> </a:t>
+            </a:r>
+            <a:r>
+              <a:rPr lang="de-AT" dirty="0" err="1">
+                <a:hlinkClick r:id="rId2"/>
+              </a:rPr>
+              <a:t>Kaggle</a:t>
+            </a:r>
+            <a:endParaRPr lang="de-AT" dirty="0"/>
+          </a:p>
+          <a:p>
+            <a:r>
+              <a:rPr lang="de-AT" dirty="0"/>
+              <a:t>Jupiter Notebook </a:t>
+            </a:r>
+            <a:r>
+              <a:rPr lang="de-AT" dirty="0" err="1"/>
+              <a:t>used</a:t>
+            </a:r>
+            <a:r>
+              <a:rPr lang="de-AT" dirty="0"/>
+              <a:t> </a:t>
+            </a:r>
+            <a:r>
+              <a:rPr lang="de-AT" dirty="0" err="1"/>
+              <a:t>to</a:t>
+            </a:r>
+            <a:r>
+              <a:rPr lang="de-AT" dirty="0"/>
+              <a:t>:</a:t>
+            </a:r>
+          </a:p>
+          <a:p>
+            <a:pPr lvl="1"/>
+            <a:r>
+              <a:rPr lang="de-AT" dirty="0"/>
+              <a:t>Clean and </a:t>
+            </a:r>
+            <a:r>
+              <a:rPr lang="de-AT" dirty="0" err="1"/>
+              <a:t>extend</a:t>
+            </a:r>
+            <a:r>
+              <a:rPr lang="de-AT" dirty="0"/>
+              <a:t> </a:t>
+            </a:r>
+            <a:r>
+              <a:rPr lang="de-AT" dirty="0" err="1"/>
+              <a:t>training</a:t>
+            </a:r>
+            <a:r>
+              <a:rPr lang="de-AT" dirty="0"/>
+              <a:t> </a:t>
+            </a:r>
+            <a:r>
+              <a:rPr lang="de-AT" dirty="0" err="1"/>
+              <a:t>data</a:t>
+            </a:r>
+            <a:endParaRPr lang="de-AT" dirty="0"/>
+          </a:p>
+          <a:p>
+            <a:pPr lvl="1"/>
+            <a:r>
+              <a:rPr lang="de-AT" dirty="0" err="1"/>
+              <a:t>Actual</a:t>
+            </a:r>
+            <a:r>
+              <a:rPr lang="de-AT" dirty="0"/>
+              <a:t> ML </a:t>
+            </a:r>
+            <a:r>
+              <a:rPr lang="de-AT" dirty="0" err="1"/>
+              <a:t>model</a:t>
+            </a:r>
+            <a:r>
+              <a:rPr lang="de-AT" dirty="0"/>
+              <a:t> </a:t>
+            </a:r>
+            <a:r>
+              <a:rPr lang="de-AT" dirty="0" err="1"/>
+              <a:t>training</a:t>
+            </a:r>
+            <a:endParaRPr lang="de-AT" dirty="0"/>
+          </a:p>
+          <a:p>
+            <a:pPr lvl="1"/>
+            <a:r>
+              <a:rPr lang="de-AT" dirty="0"/>
+              <a:t>Test </a:t>
+            </a:r>
+            <a:r>
+              <a:rPr lang="de-AT" dirty="0" err="1"/>
+              <a:t>data</a:t>
+            </a:r>
+            <a:r>
+              <a:rPr lang="de-AT" dirty="0"/>
+              <a:t> </a:t>
+            </a:r>
+            <a:r>
+              <a:rPr lang="de-AT" dirty="0" err="1"/>
+              <a:t>modification</a:t>
+            </a:r>
+            <a:r>
+              <a:rPr lang="de-AT" dirty="0"/>
+              <a:t>, </a:t>
+            </a:r>
+            <a:r>
+              <a:rPr lang="de-AT" dirty="0" err="1"/>
+              <a:t>preparation</a:t>
+            </a:r>
+            <a:endParaRPr lang="de-AT" dirty="0"/>
+          </a:p>
+        </p:txBody>
+      </p:sp>
+      <p:pic>
+        <p:nvPicPr>
+          <p:cNvPr id="6" name="Content Placeholder 5">
+            <a:extLst>
+              <a:ext uri="{FF2B5EF4-FFF2-40B4-BE49-F238E27FC236}">
+                <a16:creationId xmlns:a16="http://schemas.microsoft.com/office/drawing/2014/main" id="{3F280025-2A6E-1913-124D-51AED9162C7D}"/>
+              </a:ext>
+            </a:extLst>
+          </p:cNvPr>
+          <p:cNvPicPr>
+            <a:picLocks noGrp="1" noChangeAspect="1"/>
+          </p:cNvPicPr>
+          <p:nvPr>
+            <p:ph sz="half" idx="2"/>
+          </p:nvPr>
+        </p:nvPicPr>
+        <p:blipFill>
+          <a:blip r:embed="rId3">
+            <a:extLst>
+              <a:ext uri="{28A0092B-C50C-407E-A947-70E740481C1C}">
+                <a14:useLocalDpi xmlns:a14="http://schemas.microsoft.com/office/drawing/2010/main" val="0"/>
+              </a:ext>
+            </a:extLst>
+          </a:blip>
+          <a:stretch>
+            <a:fillRect/>
+          </a:stretch>
+        </p:blipFill>
+        <p:spPr>
+          <a:xfrm>
+            <a:off x="6964109" y="2478024"/>
+            <a:ext cx="3833812" cy="1480723"/>
+          </a:xfrm>
+        </p:spPr>
+      </p:pic>
+      <p:pic>
+        <p:nvPicPr>
+          <p:cNvPr id="8" name="Picture 7">
+            <a:extLst>
+              <a:ext uri="{FF2B5EF4-FFF2-40B4-BE49-F238E27FC236}">
+                <a16:creationId xmlns:a16="http://schemas.microsoft.com/office/drawing/2014/main" id="{E4B942BC-B8BD-2C67-7CB2-FDF7907067C0}"/>
+              </a:ext>
+            </a:extLst>
+          </p:cNvPr>
+          <p:cNvPicPr>
+            <a:picLocks noChangeAspect="1"/>
+          </p:cNvPicPr>
+          <p:nvPr/>
+        </p:nvPicPr>
+        <p:blipFill>
+          <a:blip r:embed="rId4">
+            <a:extLst>
+              <a:ext uri="{28A0092B-C50C-407E-A947-70E740481C1C}">
+                <a14:useLocalDpi xmlns:a14="http://schemas.microsoft.com/office/drawing/2010/main" val="0"/>
+              </a:ext>
+            </a:extLst>
+          </a:blip>
+          <a:stretch>
+            <a:fillRect/>
+          </a:stretch>
+        </p:blipFill>
+        <p:spPr>
+          <a:xfrm>
+            <a:off x="7890415" y="4105275"/>
+            <a:ext cx="1981200" cy="2305050"/>
+          </a:xfrm>
+          <a:prstGeom prst="rect">
+            <a:avLst/>
+          </a:prstGeom>
+        </p:spPr>
+      </p:pic>
+    </p:spTree>
+    <p:extLst>
+      <p:ext uri="{BB962C8B-B14F-4D97-AF65-F5344CB8AC3E}">
+        <p14:creationId xmlns:p14="http://schemas.microsoft.com/office/powerpoint/2010/main" val="1085475085"/>
+      </p:ext>
+    </p:extLst>
+  </p:cSld>
+  <p:clrMapOvr>
+    <a:masterClrMapping/>
+  </p:clrMapOvr>
+</p:sld>
+</file>
+
+<file path=ppt/slides/slide3.xml><?xml version="1.0" encoding="utf-8"?>
+<p:sld xmlns:a="http://schemas.openxmlformats.org/drawingml/2006/main" xmlns:r="http://schemas.openxmlformats.org/officeDocument/2006/relationships" xmlns:p="http://schemas.openxmlformats.org/presentationml/2006/main">
+  <p:cSld>
+    <p:spTree>
+      <p:nvGrpSpPr>
+        <p:cNvPr id="1" name=""/>
+        <p:cNvGrpSpPr/>
+        <p:nvPr/>
+      </p:nvGrpSpPr>
+      <p:grpSpPr>
+        <a:xfrm>
+          <a:off x="0" y="0"/>
+          <a:ext cx="0" cy="0"/>
+          <a:chOff x="0" y="0"/>
+          <a:chExt cx="0" cy="0"/>
+        </a:xfrm>
+      </p:grpSpPr>
+      <p:sp>
+        <p:nvSpPr>
           <p:cNvPr id="2" name="Cím 1">
             <a:extLst>
               <a:ext uri="{FF2B5EF4-FFF2-40B4-BE49-F238E27FC236}">
@@ -6477,7 +6769,7 @@
 </p:sld>
 </file>
 
-<file path=ppt/slides/slide3.xml><?xml version="1.0" encoding="utf-8"?>
+<file path=ppt/slides/slide4.xml><?xml version="1.0" encoding="utf-8"?>
 <p:sld xmlns:a="http://schemas.openxmlformats.org/drawingml/2006/main" xmlns:r="http://schemas.openxmlformats.org/officeDocument/2006/relationships" xmlns:p="http://schemas.openxmlformats.org/presentationml/2006/main">
   <p:cSld>
     <p:spTree>
@@ -6559,10 +6851,10 @@
       </p:pic>
       <p:pic>
         <p:nvPicPr>
-          <p:cNvPr id="7" name="Picture 6">
-            <a:extLst>
-              <a:ext uri="{FF2B5EF4-FFF2-40B4-BE49-F238E27FC236}">
-                <a16:creationId xmlns:a16="http://schemas.microsoft.com/office/drawing/2014/main" id="{76BE7C0C-D024-67E0-DB9E-1503271E9634}"/>
+          <p:cNvPr id="8" name="Picture 7">
+            <a:extLst>
+              <a:ext uri="{FF2B5EF4-FFF2-40B4-BE49-F238E27FC236}">
+                <a16:creationId xmlns:a16="http://schemas.microsoft.com/office/drawing/2014/main" id="{D22FFF99-E7E2-3385-0213-64EFBCAE8C4B}"/>
               </a:ext>
             </a:extLst>
           </p:cNvPr>
@@ -6572,15 +6864,21 @@
           <p:nvPr/>
         </p:nvPicPr>
         <p:blipFill>
-          <a:blip r:embed="rId3"/>
+          <a:blip r:embed="rId3" cstate="print">
+            <a:extLst>
+              <a:ext uri="{28A0092B-C50C-407E-A947-70E740481C1C}">
+                <a14:useLocalDpi xmlns:a14="http://schemas.microsoft.com/office/drawing/2010/main" val="0"/>
+              </a:ext>
+            </a:extLst>
+          </a:blip>
           <a:stretch>
             <a:fillRect/>
           </a:stretch>
         </p:blipFill>
         <p:spPr>
           <a:xfrm>
-            <a:off x="5657016" y="2966244"/>
-            <a:ext cx="6487766" cy="2072481"/>
+            <a:off x="5343638" y="3872661"/>
+            <a:ext cx="6690204" cy="2778254"/>
           </a:xfrm>
           <a:prstGeom prst="rect">
             <a:avLst/>
@@ -6600,7 +6898,7 @@
 </p:sld>
 </file>
 
-<file path=ppt/slides/slide4.xml><?xml version="1.0" encoding="utf-8"?>
+<file path=ppt/slides/slide5.xml><?xml version="1.0" encoding="utf-8"?>
 <p:sld xmlns:a="http://schemas.openxmlformats.org/drawingml/2006/main" xmlns:r="http://schemas.openxmlformats.org/officeDocument/2006/relationships" xmlns:p="http://schemas.openxmlformats.org/presentationml/2006/main">
   <p:cSld>
     <p:bg>
@@ -7414,6 +7712,64 @@
     <p:extLst>
       <p:ext uri="{BB962C8B-B14F-4D97-AF65-F5344CB8AC3E}">
         <p14:creationId xmlns:p14="http://schemas.microsoft.com/office/powerpoint/2010/main" val="4008161576"/>
+      </p:ext>
+    </p:extLst>
+  </p:cSld>
+  <p:clrMapOvr>
+    <a:masterClrMapping/>
+  </p:clrMapOvr>
+</p:sld>
+</file>
+
+<file path=ppt/slides/slide6.xml><?xml version="1.0" encoding="utf-8"?>
+<p:sld xmlns:a="http://schemas.openxmlformats.org/drawingml/2006/main" xmlns:r="http://schemas.openxmlformats.org/officeDocument/2006/relationships" xmlns:p="http://schemas.openxmlformats.org/presentationml/2006/main">
+  <p:cSld>
+    <p:spTree>
+      <p:nvGrpSpPr>
+        <p:cNvPr id="1" name=""/>
+        <p:cNvGrpSpPr/>
+        <p:nvPr/>
+      </p:nvGrpSpPr>
+      <p:grpSpPr>
+        <a:xfrm>
+          <a:off x="0" y="0"/>
+          <a:ext cx="0" cy="0"/>
+          <a:chOff x="0" y="0"/>
+          <a:chExt cx="0" cy="0"/>
+        </a:xfrm>
+      </p:grpSpPr>
+      <p:sp>
+        <p:nvSpPr>
+          <p:cNvPr id="2" name="Title 1">
+            <a:extLst>
+              <a:ext uri="{FF2B5EF4-FFF2-40B4-BE49-F238E27FC236}">
+                <a16:creationId xmlns:a16="http://schemas.microsoft.com/office/drawing/2014/main" id="{ECAF36B0-01D1-968E-4019-7D895ABDDB69}"/>
+              </a:ext>
+            </a:extLst>
+          </p:cNvPr>
+          <p:cNvSpPr>
+            <a:spLocks noGrp="1"/>
+          </p:cNvSpPr>
+          <p:nvPr>
+            <p:ph type="title"/>
+          </p:nvPr>
+        </p:nvSpPr>
+        <p:spPr/>
+        <p:txBody>
+          <a:bodyPr/>
+          <a:lstStyle/>
+          <a:p>
+            <a:r>
+              <a:rPr lang="de-AT" dirty="0"/>
+              <a:t>Questions?</a:t>
+            </a:r>
+          </a:p>
+        </p:txBody>
+      </p:sp>
+    </p:spTree>
+    <p:extLst>
+      <p:ext uri="{BB962C8B-B14F-4D97-AF65-F5344CB8AC3E}">
+        <p14:creationId xmlns:p14="http://schemas.microsoft.com/office/powerpoint/2010/main" val="3108645866"/>
       </p:ext>
     </p:extLst>
   </p:cSld>
